--- a/Documentation/Interim Project/Interim Project.pptx
+++ b/Documentation/Interim Project/Interim Project.pptx
@@ -8,8 +8,8 @@
     <p:sldId id="256" r:id="rId2"/>
     <p:sldId id="257" r:id="rId3"/>
     <p:sldId id="258" r:id="rId4"/>
-    <p:sldId id="261" r:id="rId5"/>
-    <p:sldId id="259" r:id="rId6"/>
+    <p:sldId id="259" r:id="rId5"/>
+    <p:sldId id="260" r:id="rId6"/>
   </p:sldIdLst>
   <p:sldSz cx="12192000" cy="6858000"/>
   <p:notesSz cx="6858000" cy="9144000"/>
@@ -116,11 +116,14 @@
             <p14:sldId id="256"/>
             <p14:sldId id="257"/>
             <p14:sldId id="258"/>
-            <p14:sldId id="261"/>
             <p14:sldId id="259"/>
+            <p14:sldId id="260"/>
           </p14:sldIdLst>
         </p14:section>
       </p14:sectionLst>
+    </p:ext>
+    <p:ext uri="{EFAFB233-063F-42B5-8137-9DF3F51BA10A}">
+      <p15:sldGuideLst xmlns:p15="http://schemas.microsoft.com/office/powerpoint/2012/main"/>
     </p:ext>
   </p:extLst>
 </p:presentation>
@@ -568,11 +571,11 @@
         </c:dLbls>
         <c:gapWidth val="150"/>
         <c:overlap val="100"/>
-        <c:axId val="385178824"/>
-        <c:axId val="385173728"/>
+        <c:axId val="311300968"/>
+        <c:axId val="311301752"/>
       </c:barChart>
       <c:catAx>
-        <c:axId val="385178824"/>
+        <c:axId val="311300968"/>
         <c:scaling>
           <c:orientation val="maxMin"/>
         </c:scaling>
@@ -612,7 +615,7 @@
             <a:endParaRPr lang="pt-BR"/>
           </a:p>
         </c:txPr>
-        <c:crossAx val="385173728"/>
+        <c:crossAx val="311301752"/>
         <c:crosses val="autoZero"/>
         <c:auto val="1"/>
         <c:lblAlgn val="ctr"/>
@@ -620,7 +623,7 @@
         <c:noMultiLvlLbl val="0"/>
       </c:catAx>
       <c:valAx>
-        <c:axId val="385173728"/>
+        <c:axId val="311301752"/>
         <c:scaling>
           <c:orientation val="minMax"/>
           <c:max val="44057"/>
@@ -670,7 +673,7 @@
             <a:endParaRPr lang="pt-BR"/>
           </a:p>
         </c:txPr>
-        <c:crossAx val="385178824"/>
+        <c:crossAx val="311300968"/>
         <c:crosses val="max"/>
         <c:crossBetween val="between"/>
         <c:majorUnit val="5"/>
@@ -1405,7 +1408,7 @@
             <a:fld id="{B61BEF0D-F0BB-DE4B-95CE-6DB70DBA9567}" type="datetimeFigureOut">
               <a:rPr lang="en-US" smtClean="0"/>
               <a:pPr/>
-              <a:t>7/11/2020</a:t>
+              <a:t>7/12/2020</a:t>
             </a:fld>
             <a:endParaRPr lang="en-US" dirty="0"/>
           </a:p>
@@ -1682,7 +1685,7 @@
             <a:fld id="{B61BEF0D-F0BB-DE4B-95CE-6DB70DBA9567}" type="datetimeFigureOut">
               <a:rPr lang="en-US" smtClean="0"/>
               <a:pPr/>
-              <a:t>7/11/2020</a:t>
+              <a:t>7/12/2020</a:t>
             </a:fld>
             <a:endParaRPr lang="en-US" dirty="0"/>
           </a:p>
@@ -1878,7 +1881,7 @@
             <a:fld id="{B61BEF0D-F0BB-DE4B-95CE-6DB70DBA9567}" type="datetimeFigureOut">
               <a:rPr lang="en-US" smtClean="0"/>
               <a:pPr/>
-              <a:t>7/11/2020</a:t>
+              <a:t>7/12/2020</a:t>
             </a:fld>
             <a:endParaRPr lang="en-US" dirty="0"/>
           </a:p>
@@ -2153,7 +2156,7 @@
             <a:fld id="{B61BEF0D-F0BB-DE4B-95CE-6DB70DBA9567}" type="datetimeFigureOut">
               <a:rPr lang="en-US" smtClean="0"/>
               <a:pPr/>
-              <a:t>7/11/2020</a:t>
+              <a:t>7/12/2020</a:t>
             </a:fld>
             <a:endParaRPr lang="en-US" dirty="0"/>
           </a:p>
@@ -2496,7 +2499,7 @@
             <a:fld id="{B61BEF0D-F0BB-DE4B-95CE-6DB70DBA9567}" type="datetimeFigureOut">
               <a:rPr lang="en-US" smtClean="0"/>
               <a:pPr/>
-              <a:t>7/11/2020</a:t>
+              <a:t>7/12/2020</a:t>
             </a:fld>
             <a:endParaRPr lang="en-US" dirty="0"/>
           </a:p>
@@ -3121,7 +3124,7 @@
             <a:fld id="{B61BEF0D-F0BB-DE4B-95CE-6DB70DBA9567}" type="datetimeFigureOut">
               <a:rPr lang="en-US" smtClean="0"/>
               <a:pPr/>
-              <a:t>7/11/2020</a:t>
+              <a:t>7/12/2020</a:t>
             </a:fld>
             <a:endParaRPr lang="en-US" dirty="0"/>
           </a:p>
@@ -3983,7 +3986,7 @@
             <a:fld id="{B61BEF0D-F0BB-DE4B-95CE-6DB70DBA9567}" type="datetimeFigureOut">
               <a:rPr lang="en-US" smtClean="0"/>
               <a:pPr/>
-              <a:t>7/11/2020</a:t>
+              <a:t>7/12/2020</a:t>
             </a:fld>
             <a:endParaRPr lang="en-US" dirty="0"/>
           </a:p>
@@ -4155,7 +4158,7 @@
             <a:fld id="{B61BEF0D-F0BB-DE4B-95CE-6DB70DBA9567}" type="datetimeFigureOut">
               <a:rPr lang="en-US" smtClean="0"/>
               <a:pPr/>
-              <a:t>7/11/2020</a:t>
+              <a:t>7/12/2020</a:t>
             </a:fld>
             <a:endParaRPr lang="en-US" dirty="0"/>
           </a:p>
@@ -4337,7 +4340,7 @@
             <a:fld id="{B61BEF0D-F0BB-DE4B-95CE-6DB70DBA9567}" type="datetimeFigureOut">
               <a:rPr lang="en-US" smtClean="0"/>
               <a:pPr/>
-              <a:t>7/11/2020</a:t>
+              <a:t>7/12/2020</a:t>
             </a:fld>
             <a:endParaRPr lang="en-US" dirty="0"/>
           </a:p>
@@ -4509,7 +4512,7 @@
             <a:fld id="{B61BEF0D-F0BB-DE4B-95CE-6DB70DBA9567}" type="datetimeFigureOut">
               <a:rPr lang="en-US" smtClean="0"/>
               <a:pPr/>
-              <a:t>7/11/2020</a:t>
+              <a:t>7/12/2020</a:t>
             </a:fld>
             <a:endParaRPr lang="en-US" dirty="0"/>
           </a:p>
@@ -4758,7 +4761,7 @@
             <a:fld id="{B61BEF0D-F0BB-DE4B-95CE-6DB70DBA9567}" type="datetimeFigureOut">
               <a:rPr lang="en-US" smtClean="0"/>
               <a:pPr/>
-              <a:t>7/11/2020</a:t>
+              <a:t>7/12/2020</a:t>
             </a:fld>
             <a:endParaRPr lang="en-US" dirty="0"/>
           </a:p>
@@ -5052,7 +5055,7 @@
             <a:fld id="{B61BEF0D-F0BB-DE4B-95CE-6DB70DBA9567}" type="datetimeFigureOut">
               <a:rPr lang="en-US" smtClean="0"/>
               <a:pPr/>
-              <a:t>7/11/2020</a:t>
+              <a:t>7/12/2020</a:t>
             </a:fld>
             <a:endParaRPr lang="en-US" dirty="0"/>
           </a:p>
@@ -5498,7 +5501,7 @@
             <a:fld id="{B61BEF0D-F0BB-DE4B-95CE-6DB70DBA9567}" type="datetimeFigureOut">
               <a:rPr lang="en-US" smtClean="0"/>
               <a:pPr/>
-              <a:t>7/11/2020</a:t>
+              <a:t>7/12/2020</a:t>
             </a:fld>
             <a:endParaRPr lang="en-US" dirty="0"/>
           </a:p>
@@ -5618,7 +5621,7 @@
             <a:fld id="{B61BEF0D-F0BB-DE4B-95CE-6DB70DBA9567}" type="datetimeFigureOut">
               <a:rPr lang="en-US" smtClean="0"/>
               <a:pPr/>
-              <a:t>7/11/2020</a:t>
+              <a:t>7/12/2020</a:t>
             </a:fld>
             <a:endParaRPr lang="en-US" dirty="0"/>
           </a:p>
@@ -5715,7 +5718,7 @@
             <a:fld id="{B61BEF0D-F0BB-DE4B-95CE-6DB70DBA9567}" type="datetimeFigureOut">
               <a:rPr lang="en-US" smtClean="0"/>
               <a:pPr/>
-              <a:t>7/11/2020</a:t>
+              <a:t>7/12/2020</a:t>
             </a:fld>
             <a:endParaRPr lang="en-US" dirty="0"/>
           </a:p>
@@ -5996,7 +5999,7 @@
             <a:fld id="{B61BEF0D-F0BB-DE4B-95CE-6DB70DBA9567}" type="datetimeFigureOut">
               <a:rPr lang="en-US" smtClean="0"/>
               <a:pPr/>
-              <a:t>7/11/2020</a:t>
+              <a:t>7/12/2020</a:t>
             </a:fld>
             <a:endParaRPr lang="en-US" dirty="0"/>
           </a:p>
@@ -6273,7 +6276,7 @@
             <a:fld id="{B61BEF0D-F0BB-DE4B-95CE-6DB70DBA9567}" type="datetimeFigureOut">
               <a:rPr lang="en-US" smtClean="0"/>
               <a:pPr/>
-              <a:t>7/11/2020</a:t>
+              <a:t>7/12/2020</a:t>
             </a:fld>
             <a:endParaRPr lang="en-US" dirty="0"/>
           </a:p>
@@ -6704,7 +6707,7 @@
             <a:fld id="{B61BEF0D-F0BB-DE4B-95CE-6DB70DBA9567}" type="datetimeFigureOut">
               <a:rPr lang="en-US" smtClean="0"/>
               <a:pPr/>
-              <a:t>7/11/2020</a:t>
+              <a:t>7/12/2020</a:t>
             </a:fld>
             <a:endParaRPr lang="en-US" dirty="0"/>
           </a:p>
@@ -7454,7 +7457,7 @@
           <p:cNvPr id="4" name="Content Placeholder 3">
             <a:extLst>
               <a:ext uri="{FF2B5EF4-FFF2-40B4-BE49-F238E27FC236}">
-                <a16:creationId xmlns:xdr="http://schemas.openxmlformats.org/drawingml/2006/spreadsheetDrawing" xmlns:a16="http://schemas.microsoft.com/office/drawing/2014/main" xmlns="" xmlns:lc="http://schemas.openxmlformats.org/drawingml/2006/lockedCanvas" id="{00000000-0008-0000-0000-000005000000}"/>
+                <a16:creationId xmlns:lc="http://schemas.openxmlformats.org/drawingml/2006/lockedCanvas" xmlns="" xmlns:a16="http://schemas.microsoft.com/office/drawing/2014/main" xmlns:xdr="http://schemas.openxmlformats.org/drawingml/2006/spreadsheetDrawing" id="{00000000-0008-0000-0000-000005000000}"/>
               </a:ext>
             </a:extLst>
           </p:cNvPr>
@@ -7533,93 +7536,58 @@
           <a:lstStyle/>
           <a:p>
             <a:r>
-              <a:rPr lang="pt-BR" dirty="0"/>
-              <a:t>Progress Details</a:t>
-            </a:r>
-          </a:p>
-        </p:txBody>
-      </p:sp>
-      <p:pic>
-        <p:nvPicPr>
-          <p:cNvPr id="4" name="Content Placeholder 3"/>
-          <p:cNvPicPr>
-            <a:picLocks noGrp="1" noChangeAspect="1"/>
-          </p:cNvPicPr>
+              <a:rPr lang="en-GB" dirty="0" smtClean="0"/>
+              <a:t>NEXT STEPS</a:t>
+            </a:r>
+            <a:endParaRPr lang="pt-BR" dirty="0"/>
+          </a:p>
+        </p:txBody>
+      </p:sp>
+      <p:sp>
+        <p:nvSpPr>
+          <p:cNvPr id="3" name="Content Placeholder 2"/>
+          <p:cNvSpPr>
+            <a:spLocks noGrp="1"/>
+          </p:cNvSpPr>
           <p:nvPr>
             <p:ph idx="1"/>
           </p:nvPr>
-        </p:nvPicPr>
-        <p:blipFill>
-          <a:blip r:embed="rId2">
-            <a:clrChange>
-              <a:clrFrom>
-                <a:srgbClr val="FFFFFF"/>
-              </a:clrFrom>
-              <a:clrTo>
-                <a:srgbClr val="FFFFFF">
-                  <a:alpha val="0"/>
-                </a:srgbClr>
-              </a:clrTo>
-            </a:clrChange>
-          </a:blip>
-          <a:stretch>
-            <a:fillRect/>
-          </a:stretch>
-        </p:blipFill>
-        <p:spPr>
-          <a:xfrm>
-            <a:off x="337639" y="2140773"/>
-            <a:ext cx="5941976" cy="4805362"/>
-          </a:xfrm>
-          <a:prstGeom prst="rect">
-            <a:avLst/>
-          </a:prstGeom>
-        </p:spPr>
-      </p:pic>
-      <p:pic>
-        <p:nvPicPr>
-          <p:cNvPr id="9" name="Content Placeholder 3"/>
-          <p:cNvPicPr>
-            <a:picLocks noChangeAspect="1"/>
-          </p:cNvPicPr>
-          <p:nvPr/>
-        </p:nvPicPr>
-        <p:blipFill>
-          <a:blip r:embed="rId3">
-            <a:clrChange>
-              <a:clrFrom>
-                <a:srgbClr val="FFFFFF"/>
-              </a:clrFrom>
-              <a:clrTo>
-                <a:srgbClr val="FFFFFF">
-                  <a:alpha val="0"/>
-                </a:srgbClr>
-              </a:clrTo>
-            </a:clrChange>
-            <a:extLst>
-              <a:ext uri="{28A0092B-C50C-407E-A947-70E740481C1C}">
-                <a14:useLocalDpi xmlns:a14="http://schemas.microsoft.com/office/drawing/2010/main" val="0"/>
-              </a:ext>
-            </a:extLst>
-          </a:blip>
-          <a:stretch>
-            <a:fillRect/>
-          </a:stretch>
-        </p:blipFill>
-        <p:spPr>
-          <a:xfrm>
-            <a:off x="6553378" y="2140773"/>
-            <a:ext cx="5118828" cy="4717227"/>
-          </a:xfrm>
-          <a:prstGeom prst="rect">
-            <a:avLst/>
-          </a:prstGeom>
-        </p:spPr>
-      </p:pic>
+        </p:nvSpPr>
+        <p:spPr/>
+        <p:txBody>
+          <a:bodyPr/>
+          <a:lstStyle/>
+          <a:p>
+            <a:r>
+              <a:rPr lang="en-GB" dirty="0" smtClean="0"/>
+              <a:t>Implement core business</a:t>
+            </a:r>
+          </a:p>
+          <a:p>
+            <a:endParaRPr lang="en-GB" dirty="0"/>
+          </a:p>
+          <a:p>
+            <a:r>
+              <a:rPr lang="en-GB" dirty="0" smtClean="0"/>
+              <a:t>Test Application</a:t>
+            </a:r>
+          </a:p>
+          <a:p>
+            <a:endParaRPr lang="en-GB" dirty="0"/>
+          </a:p>
+          <a:p>
+            <a:r>
+              <a:rPr lang="en-GB" dirty="0" smtClean="0"/>
+              <a:t>Create Report Document</a:t>
+            </a:r>
+            <a:endParaRPr lang="pt-BR" dirty="0"/>
+          </a:p>
+        </p:txBody>
+      </p:sp>
     </p:spTree>
     <p:extLst>
       <p:ext uri="{BB962C8B-B14F-4D97-AF65-F5344CB8AC3E}">
-        <p14:creationId xmlns:p14="http://schemas.microsoft.com/office/powerpoint/2010/main" val="1520294829"/>
+        <p14:creationId xmlns:p14="http://schemas.microsoft.com/office/powerpoint/2010/main" val="1368714844"/>
       </p:ext>
     </p:extLst>
   </p:cSld>
@@ -7670,7 +7638,7 @@
           <a:p>
             <a:r>
               <a:rPr lang="en-GB" dirty="0" smtClean="0"/>
-              <a:t>NEXT STEPS</a:t>
+              <a:t>THE END</a:t>
             </a:r>
             <a:endParaRPr lang="pt-BR" dirty="0"/>
           </a:p>
@@ -7688,52 +7656,74 @@
         </p:nvSpPr>
         <p:spPr/>
         <p:txBody>
-          <a:bodyPr/>
+          <a:bodyPr>
+            <a:normAutofit/>
+          </a:bodyPr>
           <a:lstStyle/>
           <a:p>
+            <a:endParaRPr lang="en-GB" b="1" dirty="0" smtClean="0"/>
+          </a:p>
+          <a:p>
+            <a:endParaRPr lang="en-GB" b="1" dirty="0"/>
+          </a:p>
+          <a:p>
+            <a:endParaRPr lang="en-GB" b="1" dirty="0" smtClean="0"/>
+          </a:p>
+          <a:p>
+            <a:endParaRPr lang="en-GB" b="1" dirty="0"/>
+          </a:p>
+          <a:p>
+            <a:endParaRPr lang="en-GB" b="1" dirty="0" smtClean="0"/>
+          </a:p>
+          <a:p>
+            <a:pPr marL="0" indent="0">
+              <a:buNone/>
+            </a:pPr>
+            <a:endParaRPr lang="en-GB" b="1" dirty="0" smtClean="0"/>
+          </a:p>
+          <a:p>
+            <a:r>
+              <a:rPr lang="en-GB" b="1" dirty="0" smtClean="0"/>
+              <a:t>Subject:</a:t>
+            </a:r>
             <a:r>
               <a:rPr lang="en-GB" dirty="0" smtClean="0"/>
-              <a:t>Implement core business</a:t>
-            </a:r>
-          </a:p>
-          <a:p>
-            <a:endParaRPr lang="en-GB" dirty="0"/>
-          </a:p>
-          <a:p>
+              <a:t> Guided Technology Project</a:t>
+            </a:r>
+          </a:p>
+          <a:p>
+            <a:r>
+              <a:rPr lang="en-GB" b="1" dirty="0" smtClean="0"/>
+              <a:t>College:</a:t>
+            </a:r>
             <a:r>
               <a:rPr lang="en-GB" dirty="0" smtClean="0"/>
-              <a:t>Test Application</a:t>
-            </a:r>
-          </a:p>
-          <a:p>
-            <a:endParaRPr lang="en-GB" dirty="0"/>
-          </a:p>
-          <a:p>
+              <a:t> CCT</a:t>
+            </a:r>
+          </a:p>
+          <a:p>
+            <a:r>
+              <a:rPr lang="en-GB" b="1" dirty="0" smtClean="0"/>
+              <a:t>Name:</a:t>
+            </a:r>
             <a:r>
               <a:rPr lang="en-GB" dirty="0" smtClean="0"/>
-              <a:t>Create Report Document</a:t>
-            </a:r>
-            <a:endParaRPr lang="pt-BR" dirty="0"/>
+              <a:t> Fabio Pimentel - 2019415</a:t>
+            </a:r>
+            <a:endParaRPr lang="pt-BR" b="1" dirty="0"/>
           </a:p>
         </p:txBody>
       </p:sp>
     </p:spTree>
     <p:extLst>
       <p:ext uri="{BB962C8B-B14F-4D97-AF65-F5344CB8AC3E}">
-        <p14:creationId xmlns:p14="http://schemas.microsoft.com/office/powerpoint/2010/main" val="1368714844"/>
+        <p14:creationId xmlns:p14="http://schemas.microsoft.com/office/powerpoint/2010/main" val="793504569"/>
       </p:ext>
     </p:extLst>
   </p:cSld>
   <p:clrMapOvr>
     <a:masterClrMapping/>
   </p:clrMapOvr>
-  <p:timing>
-    <p:tnLst>
-      <p:par>
-        <p:cTn id="1" dur="indefinite" restart="never" nodeType="tmRoot"/>
-      </p:par>
-    </p:tnLst>
-  </p:timing>
 </p:sld>
 </file>
 
